--- a/otro/Cantos 09.pptx
+++ b/otro/Cantos 09.pptx
@@ -101,11 +101,11 @@
   <p:notesSz cx="6858000" cy="9144000"/>
   <p:embeddedFontLst>
     <p:embeddedFont>
-      <p:font typeface="Abadi" panose="020B0604020104020204" pitchFamily="34" charset="0"/>
+      <p:font typeface="Abadi" panose="020F0502020204030204" pitchFamily="34" charset="0"/>
       <p:regular r:id="rId91"/>
     </p:embeddedFont>
     <p:embeddedFont>
-      <p:font typeface="Abril Fatface" panose="02000503000000020003" pitchFamily="2" charset="0"/>
+      <p:font typeface="Abril Fatface" panose="020F0502020204030204" pitchFamily="2" charset="0"/>
       <p:regular r:id="rId92"/>
     </p:embeddedFont>
     <p:embeddedFont>
@@ -428,7 +428,7 @@
       </p15:sldGuideLst>
     </p:ext>
     <p:ext uri="GoogleSlidesCustomDataVersion2">
-      <go:slidesCustomData xmlns:go="http://customooxmlschemas.google.com/" xmlns:ahyp="http://schemas.microsoft.com/office/drawing/2018/hyperlinkcolor" xmlns:p15="http://schemas.microsoft.com/office/powerpoint/2012/main" xmlns:p14="http://schemas.microsoft.com/office/powerpoint/2010/main" xmlns:com="http://schemas.openxmlformats.org/drawingml/2006/compatibility" xmlns:pvml="urn:schemas-microsoft-com:office:powerpoint" xmlns:v="urn:schemas-microsoft-com:vml" xmlns:o="urn:schemas-microsoft-com:office:office" xmlns:dgm="http://schemas.openxmlformats.org/drawingml/2006/diagram" xmlns:c="http://schemas.openxmlformats.org/drawingml/2006/chart" xmlns:mv="urn:schemas-microsoft-com:mac:vml" xmlns:mc="http://schemas.openxmlformats.org/markup-compatibility/2006" xmlns="" r:id="rId128" roundtripDataSignature="AMtx7mhkJd+xnGwpCJVe7RVd+Pdcooy/3g=="/>
+      <go:slidesCustomData xmlns="" xmlns:mc="http://schemas.openxmlformats.org/markup-compatibility/2006" xmlns:mv="urn:schemas-microsoft-com:mac:vml" xmlns:c="http://schemas.openxmlformats.org/drawingml/2006/chart" xmlns:dgm="http://schemas.openxmlformats.org/drawingml/2006/diagram" xmlns:o="urn:schemas-microsoft-com:office:office" xmlns:v="urn:schemas-microsoft-com:vml" xmlns:pvml="urn:schemas-microsoft-com:office:powerpoint" xmlns:com="http://schemas.openxmlformats.org/drawingml/2006/compatibility" xmlns:p14="http://schemas.microsoft.com/office/powerpoint/2010/main" xmlns:p15="http://schemas.microsoft.com/office/powerpoint/2012/main" xmlns:ahyp="http://schemas.microsoft.com/office/drawing/2018/hyperlinkcolor" xmlns:go="http://customooxmlschemas.google.com/" r:id="rId128" roundtripDataSignature="AMtx7mhkJd+xnGwpCJVe7RVd+Pdcooy/3g=="/>
     </p:ext>
   </p:extLst>
 </p:presentation>
@@ -22978,7 +22978,7 @@
               <a:buNone/>
             </a:pPr>
             <a:r>
-              <a:rPr lang="es-MX" sz="3450" b="1">
+              <a:rPr lang="es-MX" sz="3450" b="1" dirty="0">
                 <a:solidFill>
                   <a:schemeClr val="dk1"/>
                 </a:solidFill>
@@ -22989,7 +22989,7 @@
               </a:rPr>
               <a:t>Alabad servidores del Señor, alabad el nombre del Señor, bendito sea el nombre del Señor desde ahora y para siempre, desde la salida del sol hasta su ocaso, sea alabado su nombre.</a:t>
             </a:r>
-            <a:endParaRPr/>
+            <a:endParaRPr dirty="0"/>
           </a:p>
           <a:p>
             <a:pPr marL="0" lvl="0" indent="0" algn="ctr" rtl="0">
@@ -23006,7 +23006,7 @@
               <a:buNone/>
             </a:pPr>
             <a:r>
-              <a:rPr lang="es-MX" sz="3450" b="1" i="1">
+              <a:rPr lang="es-MX" sz="3450" b="1" i="1" dirty="0">
                 <a:solidFill>
                   <a:schemeClr val="dk1"/>
                 </a:solidFill>
@@ -23017,7 +23017,7 @@
               </a:rPr>
               <a:t>-Coro- Grande sobre todas las naciones es Jehová y por encima de los cielos, por encima de los cielos su gloria, ¿quién como el Señor nuestro Dios que se sienta en las alturas y baja para ver /los cielos y la tierra? Aleluya/</a:t>
             </a:r>
-            <a:endParaRPr/>
+            <a:endParaRPr dirty="0"/>
           </a:p>
           <a:p>
             <a:pPr marL="0" lvl="0" indent="457200" algn="ctr" rtl="0">
@@ -23034,7 +23034,7 @@
               <a:buNone/>
             </a:pPr>
             <a:r>
-              <a:rPr lang="es-MX" sz="3450" b="1">
+              <a:rPr lang="es-MX" sz="3450" b="1" dirty="0">
                 <a:solidFill>
                   <a:schemeClr val="dk1"/>
                 </a:solidFill>
@@ -23046,7 +23046,7 @@
               <a:t>Él levanta del polvo al desvalido, del estiércol hace subir al pobre para sentarlo con los príncipes, con los príncipes de su pueblo. Él asienta a la estéril como madre de hijos, jubilosa.            -</a:t>
             </a:r>
             <a:r>
-              <a:rPr lang="es-MX" sz="3450" b="1" i="1">
+              <a:rPr lang="es-MX" sz="3450" b="1" i="1" dirty="0">
                 <a:solidFill>
                   <a:schemeClr val="dk1"/>
                 </a:solidFill>
@@ -23057,7 +23057,7 @@
               </a:rPr>
               <a:t>Coro-</a:t>
             </a:r>
-            <a:endParaRPr/>
+            <a:endParaRPr dirty="0"/>
           </a:p>
         </p:txBody>
       </p:sp>
@@ -33897,9 +33897,9 @@
               <a:buNone/>
             </a:pPr>
             <a:r>
-              <a:rPr lang="es-MX">
-                <a:solidFill>
-                  <a:schemeClr val="dk1"/>
+              <a:rPr lang="es-MX" dirty="0">
+                <a:solidFill>
+                  <a:srgbClr val="FF0000"/>
                 </a:solidFill>
                 <a:latin typeface="Corben"/>
                 <a:ea typeface="Corben"/>
@@ -33908,7 +33908,11 @@
               </a:rPr>
               <a:t>Sublime Gracia</a:t>
             </a:r>
-            <a:endParaRPr/>
+            <a:endParaRPr dirty="0">
+              <a:solidFill>
+                <a:srgbClr val="FF0000"/>
+              </a:solidFill>
+            </a:endParaRPr>
           </a:p>
         </p:txBody>
       </p:sp>
@@ -33960,7 +33964,7 @@
               <a:buNone/>
             </a:pPr>
             <a:r>
-              <a:rPr lang="es-MX" sz="3200" b="1">
+              <a:rPr lang="es-MX" sz="3200" b="1" dirty="0">
                 <a:solidFill>
                   <a:schemeClr val="dk1"/>
                 </a:solidFill>
@@ -33971,7 +33975,7 @@
               </a:rPr>
               <a:t>Sublime gracia del Señor, que un infeliz salvó; fui ciego mas hoy miro yo, perdido y Él me halló.</a:t>
             </a:r>
-            <a:endParaRPr/>
+            <a:endParaRPr dirty="0"/>
           </a:p>
           <a:p>
             <a:pPr marL="0" lvl="0" indent="536575" algn="l" rtl="0">
@@ -33985,7 +33989,7 @@
               <a:buNone/>
             </a:pPr>
             <a:r>
-              <a:rPr lang="es-MX" sz="3200" b="1">
+              <a:rPr lang="es-MX" sz="3200" b="1" dirty="0">
                 <a:solidFill>
                   <a:schemeClr val="dk1"/>
                 </a:solidFill>
@@ -33996,7 +34000,7 @@
               </a:rPr>
               <a:t>Su gracia me enseñó a temer, mis dudas ahuyentó; ¡Oh cuán precioso fue a mi ser cuando Él me transformó!</a:t>
             </a:r>
-            <a:endParaRPr/>
+            <a:endParaRPr dirty="0"/>
           </a:p>
           <a:p>
             <a:pPr marL="0" lvl="0" indent="536575" algn="l" rtl="0">
@@ -34010,7 +34014,7 @@
               <a:buNone/>
             </a:pPr>
             <a:r>
-              <a:rPr lang="es-MX" sz="3200" b="1">
+              <a:rPr lang="es-MX" sz="3200" b="1" dirty="0">
                 <a:solidFill>
                   <a:schemeClr val="dk1"/>
                 </a:solidFill>
@@ -34021,7 +34025,7 @@
               </a:rPr>
               <a:t>En los peligros o aflicción que yo he tenido aquí, su gracia siempre me libró y me guiará feliz.</a:t>
             </a:r>
-            <a:endParaRPr/>
+            <a:endParaRPr dirty="0"/>
           </a:p>
           <a:p>
             <a:pPr marL="0" lvl="0" indent="536575" algn="l" rtl="0">
@@ -34035,7 +34039,7 @@
               <a:buNone/>
             </a:pPr>
             <a:r>
-              <a:rPr lang="es-MX" sz="3200" b="1">
+              <a:rPr lang="es-MX" sz="3200" b="1" dirty="0">
                 <a:solidFill>
                   <a:schemeClr val="dk1"/>
                 </a:solidFill>
@@ -34044,9 +34048,33 @@
                 <a:cs typeface="Century Schoolbook"/>
                 <a:sym typeface="Century Schoolbook"/>
               </a:rPr>
-              <a:t>Y cuando en Sión por siglos mil brillando esté cual sol, yo cantaré por siempre allí su amor que me salvó.</a:t>
-            </a:r>
-            <a:endParaRPr/>
+              <a:t>Y cuando en </a:t>
+            </a:r>
+            <a:r>
+              <a:rPr lang="es-MX" sz="3200" b="1" dirty="0" err="1">
+                <a:solidFill>
+                  <a:schemeClr val="dk1"/>
+                </a:solidFill>
+                <a:latin typeface="Century Schoolbook"/>
+                <a:ea typeface="Century Schoolbook"/>
+                <a:cs typeface="Century Schoolbook"/>
+                <a:sym typeface="Century Schoolbook"/>
+              </a:rPr>
+              <a:t>Sión</a:t>
+            </a:r>
+            <a:r>
+              <a:rPr lang="es-MX" sz="3200" b="1" dirty="0">
+                <a:solidFill>
+                  <a:schemeClr val="dk1"/>
+                </a:solidFill>
+                <a:latin typeface="Century Schoolbook"/>
+                <a:ea typeface="Century Schoolbook"/>
+                <a:cs typeface="Century Schoolbook"/>
+                <a:sym typeface="Century Schoolbook"/>
+              </a:rPr>
+              <a:t> por siglos mil brillando esté cual sol, yo cantaré por siempre allí su amor que me salvó.</a:t>
+            </a:r>
+            <a:endParaRPr dirty="0"/>
           </a:p>
         </p:txBody>
       </p:sp>
@@ -34134,7 +34162,7 @@
               <a:buNone/>
             </a:pPr>
             <a:r>
-              <a:rPr lang="es-MX">
+              <a:rPr lang="es-MX" dirty="0">
                 <a:solidFill>
                   <a:schemeClr val="dk1"/>
                 </a:solidFill>
@@ -34143,9 +34171,25 @@
                 <a:cs typeface="Corben"/>
                 <a:sym typeface="Corben"/>
               </a:rPr>
-              <a:t>Rey Exaltado</a:t>
-            </a:r>
-            <a:endParaRPr/>
+              <a:t>Rey </a:t>
+            </a:r>
+            <a:r>
+              <a:rPr lang="es-MX" dirty="0">
+                <a:solidFill>
+                  <a:srgbClr val="FF0000"/>
+                </a:solidFill>
+                <a:latin typeface="Corben"/>
+                <a:ea typeface="Corben"/>
+                <a:cs typeface="Corben"/>
+                <a:sym typeface="Corben"/>
+              </a:rPr>
+              <a:t>Exaltado</a:t>
+            </a:r>
+            <a:endParaRPr dirty="0">
+              <a:solidFill>
+                <a:srgbClr val="FF0000"/>
+              </a:solidFill>
+            </a:endParaRPr>
           </a:p>
         </p:txBody>
       </p:sp>
@@ -34196,7 +34240,7 @@
               <a:buNone/>
             </a:pPr>
             <a:r>
-              <a:rPr lang="es-MX" sz="3400">
+              <a:rPr lang="es-MX" sz="3400" dirty="0">
                 <a:solidFill>
                   <a:schemeClr val="lt1"/>
                 </a:solidFill>
@@ -34207,7 +34251,7 @@
               </a:rPr>
               <a:t>Rey exaltado en gloria es Cristo Jesús y le alabo. Rey exaltado por siempre es Cristo y yo le alabaré.</a:t>
             </a:r>
-            <a:endParaRPr/>
+            <a:endParaRPr dirty="0"/>
           </a:p>
           <a:p>
             <a:pPr marL="36900" lvl="0" indent="0" algn="ctr" rtl="0">
@@ -34221,7 +34265,7 @@
               <a:buNone/>
             </a:pPr>
             <a:r>
-              <a:rPr lang="es-MX" sz="3400">
+              <a:rPr lang="es-MX" sz="3400" dirty="0">
                 <a:solidFill>
                   <a:schemeClr val="lt1"/>
                 </a:solidFill>
@@ -34232,7 +34276,7 @@
               </a:rPr>
               <a:t>Él es Señor, por siempre Él reinará; la creación su nombre proclamará. Rey exaltado en gloria es Cristo Jesús.</a:t>
             </a:r>
-            <a:endParaRPr/>
+            <a:endParaRPr dirty="0"/>
           </a:p>
         </p:txBody>
       </p:sp>
